--- a/DOCS/BsidesKC23 Community Solder Art Project.pptx
+++ b/DOCS/BsidesKC23 Community Solder Art Project.pptx
@@ -3886,7 +3886,7 @@
         </p:nvSpPr>
         <p:spPr>
           <a:xfrm rot="5400000">
-            <a:off x="7277450" y="480114"/>
+            <a:off x="7490887" y="649329"/>
             <a:ext cx="3822189" cy="3742762"/>
           </a:xfrm>
           <a:prstGeom prst="rect">
@@ -3927,7 +3927,23 @@
             </a:pPr>
             <a:r>
               <a:rPr lang="en-US" sz="2000" dirty="0"/>
-              <a:t>This will be framed do try and keep the components flat as much as possible and not raised above the brass rods</a:t>
+              <a:t>Try not to solder near the rod solder joints so they don’t come a part</a:t>
+            </a:r>
+          </a:p>
+          <a:p>
+            <a:pPr marL="285750" indent="-228600">
+              <a:lnSpc>
+                <a:spcPct val="90000"/>
+              </a:lnSpc>
+              <a:spcAft>
+                <a:spcPts val="600"/>
+              </a:spcAft>
+              <a:buFont typeface="Arial" panose="020B0604020202020204" pitchFamily="34" charset="0"/>
+              <a:buChar char="•"/>
+            </a:pPr>
+            <a:r>
+              <a:rPr lang="en-US" sz="2000" dirty="0"/>
+              <a:t>This will be framed so please try and keep the components flat as much as possible and not raised above the brass rods</a:t>
             </a:r>
           </a:p>
           <a:p>
